--- a/mkdocs/docs/images/src/mirroring.pptx
+++ b/mkdocs/docs/images/src/mirroring.pptx
@@ -197,7 +197,7 @@
           <a:p>
             <a:fld id="{38B78CBE-37FA-D241-BB4C-CAC5D3B25F49}" type="datetimeFigureOut">
               <a:rPr lang="en-US" smtClean="0"/>
-              <a:t>4/26/21</a:t>
+              <a:t>4/28/21</a:t>
             </a:fld>
             <a:endParaRPr lang="en-US"/>
           </a:p>
@@ -611,7 +611,7 @@
           <a:p>
             <a:fld id="{708812C5-0212-FD42-A0D4-E2E8FF4E3AF5}" type="datetime1">
               <a:rPr lang="en-US" smtClean="0"/>
-              <a:t>4/26/21</a:t>
+              <a:t>4/28/21</a:t>
             </a:fld>
             <a:endParaRPr lang="en-US"/>
           </a:p>
@@ -812,7 +812,7 @@
           <a:p>
             <a:fld id="{D232AC6F-41C3-B34B-9BAA-03ED2F3BC0F6}" type="datetime1">
               <a:rPr lang="en-US" smtClean="0"/>
-              <a:t>4/26/21</a:t>
+              <a:t>4/28/21</a:t>
             </a:fld>
             <a:endParaRPr lang="en-US"/>
           </a:p>
@@ -1023,7 +1023,7 @@
           <a:p>
             <a:fld id="{BEE140C2-F440-9D49-95CB-5965D64CC4A2}" type="datetime1">
               <a:rPr lang="en-US" smtClean="0"/>
-              <a:t>4/26/21</a:t>
+              <a:t>4/28/21</a:t>
             </a:fld>
             <a:endParaRPr lang="en-US"/>
           </a:p>
@@ -1224,7 +1224,7 @@
           <a:p>
             <a:fld id="{CC99F980-FB29-FD47-8508-150F73F1E8B0}" type="datetime1">
               <a:rPr lang="en-US" smtClean="0"/>
-              <a:t>4/26/21</a:t>
+              <a:t>4/28/21</a:t>
             </a:fld>
             <a:endParaRPr lang="en-US"/>
           </a:p>
@@ -1502,7 +1502,7 @@
           <a:p>
             <a:fld id="{D4510983-EA22-9643-8AC0-B3C6499B643B}" type="datetime1">
               <a:rPr lang="en-US" smtClean="0"/>
-              <a:t>4/26/21</a:t>
+              <a:t>4/28/21</a:t>
             </a:fld>
             <a:endParaRPr lang="en-US"/>
           </a:p>
@@ -1770,7 +1770,7 @@
           <a:p>
             <a:fld id="{D5A39195-967D-5D4E-8C6A-C99866996458}" type="datetime1">
               <a:rPr lang="en-US" smtClean="0"/>
-              <a:t>4/26/21</a:t>
+              <a:t>4/28/21</a:t>
             </a:fld>
             <a:endParaRPr lang="en-US"/>
           </a:p>
@@ -2185,7 +2185,7 @@
           <a:p>
             <a:fld id="{5AD771E9-C79D-684D-A158-5EB6E92DE947}" type="datetime1">
               <a:rPr lang="en-US" smtClean="0"/>
-              <a:t>4/26/21</a:t>
+              <a:t>4/28/21</a:t>
             </a:fld>
             <a:endParaRPr lang="en-US"/>
           </a:p>
@@ -2329,7 +2329,7 @@
           <a:p>
             <a:fld id="{693CA161-7E4C-5C4B-B799-DB602A0B9806}" type="datetime1">
               <a:rPr lang="en-US" smtClean="0"/>
-              <a:t>4/26/21</a:t>
+              <a:t>4/28/21</a:t>
             </a:fld>
             <a:endParaRPr lang="en-US"/>
           </a:p>
@@ -2445,7 +2445,7 @@
           <a:p>
             <a:fld id="{6D55FDF3-8BB2-6349-A5FA-057F3D78953D}" type="datetime1">
               <a:rPr lang="en-US" smtClean="0"/>
-              <a:t>4/26/21</a:t>
+              <a:t>4/28/21</a:t>
             </a:fld>
             <a:endParaRPr lang="en-US"/>
           </a:p>
@@ -2759,7 +2759,7 @@
           <a:p>
             <a:fld id="{EEDFACC0-3228-BA4B-942E-CEF38B0101FD}" type="datetime1">
               <a:rPr lang="en-US" smtClean="0"/>
-              <a:t>4/26/21</a:t>
+              <a:t>4/28/21</a:t>
             </a:fld>
             <a:endParaRPr lang="en-US"/>
           </a:p>
@@ -3050,7 +3050,7 @@
           <a:p>
             <a:fld id="{07EEEDBE-E24C-D140-B419-6D8D592D0F1C}" type="datetime1">
               <a:rPr lang="en-US" smtClean="0"/>
-              <a:t>4/26/21</a:t>
+              <a:t>4/28/21</a:t>
             </a:fld>
             <a:endParaRPr lang="en-US"/>
           </a:p>
@@ -3294,7 +3294,7 @@
           <a:p>
             <a:fld id="{E05781A2-A5EF-C54C-A3EF-F62483D37EDC}" type="datetime1">
               <a:rPr lang="en-US" smtClean="0"/>
-              <a:t>4/26/21</a:t>
+              <a:t>4/28/21</a:t>
             </a:fld>
             <a:endParaRPr lang="en-US"/>
           </a:p>
@@ -3729,8 +3729,8 @@
         </p:nvSpPr>
         <p:spPr>
           <a:xfrm>
-            <a:off x="0" y="1086522"/>
-            <a:ext cx="12191999" cy="5077610"/>
+            <a:off x="0" y="1389527"/>
+            <a:ext cx="12191999" cy="4518745"/>
           </a:xfrm>
           <a:prstGeom prst="rect">
             <a:avLst/>
@@ -3766,38 +3766,6 @@
           <a:p>
             <a:pPr algn="ctr"/>
             <a:endParaRPr lang="en-US"/>
-          </a:p>
-        </p:txBody>
-      </p:sp>
-      <p:sp>
-        <p:nvSpPr>
-          <p:cNvPr id="10" name="TextBox 9">
-            <a:extLst>
-              <a:ext uri="{FF2B5EF4-FFF2-40B4-BE49-F238E27FC236}">
-                <a16:creationId xmlns:a16="http://schemas.microsoft.com/office/drawing/2014/main" id="{AA0E52A5-8109-5744-8F63-4D4AE2E6294B}"/>
-              </a:ext>
-            </a:extLst>
-          </p:cNvPr>
-          <p:cNvSpPr txBox="1"/>
-          <p:nvPr/>
-        </p:nvSpPr>
-        <p:spPr>
-          <a:xfrm>
-            <a:off x="775252" y="89452"/>
-            <a:ext cx="184731" cy="369332"/>
-          </a:xfrm>
-          <a:prstGeom prst="rect">
-            <a:avLst/>
-          </a:prstGeom>
-          <a:noFill/>
-        </p:spPr>
-        <p:txBody>
-          <a:bodyPr wrap="none" rtlCol="0">
-            <a:spAutoFit/>
-          </a:bodyPr>
-          <a:lstStyle/>
-          <a:p>
-            <a:endParaRPr lang="en-US" dirty="0"/>
           </a:p>
         </p:txBody>
       </p:sp>
@@ -3935,41 +3903,6 @@
       </p:sp>
       <p:sp>
         <p:nvSpPr>
-          <p:cNvPr id="5" name="TextBox 4">
-            <a:extLst>
-              <a:ext uri="{FF2B5EF4-FFF2-40B4-BE49-F238E27FC236}">
-                <a16:creationId xmlns:a16="http://schemas.microsoft.com/office/drawing/2014/main" id="{2129025F-2A6A-8748-B81D-BDF446C06291}"/>
-              </a:ext>
-            </a:extLst>
-          </p:cNvPr>
-          <p:cNvSpPr txBox="1"/>
-          <p:nvPr/>
-        </p:nvSpPr>
-        <p:spPr>
-          <a:xfrm>
-            <a:off x="1619543" y="3879346"/>
-            <a:ext cx="1987595" cy="369332"/>
-          </a:xfrm>
-          <a:prstGeom prst="rect">
-            <a:avLst/>
-          </a:prstGeom>
-          <a:noFill/>
-        </p:spPr>
-        <p:txBody>
-          <a:bodyPr wrap="none" rtlCol="0">
-            <a:spAutoFit/>
-          </a:bodyPr>
-          <a:lstStyle/>
-          <a:p>
-            <a:r>
-              <a:rPr lang="en-US" dirty="0"/>
-              <a:t>Istio Virtual Service</a:t>
-            </a:r>
-          </a:p>
-        </p:txBody>
-      </p:sp>
-      <p:sp>
-        <p:nvSpPr>
           <p:cNvPr id="6" name="Rounded Rectangle 5">
             <a:extLst>
               <a:ext uri="{FF2B5EF4-FFF2-40B4-BE49-F238E27FC236}">
@@ -5635,41 +5568,6 @@
       </p:sp>
       <p:sp>
         <p:nvSpPr>
-          <p:cNvPr id="96" name="TextBox 95">
-            <a:extLst>
-              <a:ext uri="{FF2B5EF4-FFF2-40B4-BE49-F238E27FC236}">
-                <a16:creationId xmlns:a16="http://schemas.microsoft.com/office/drawing/2014/main" id="{8788DEFE-568A-6A4E-8676-9124A5A98669}"/>
-              </a:ext>
-            </a:extLst>
-          </p:cNvPr>
-          <p:cNvSpPr txBox="1"/>
-          <p:nvPr/>
-        </p:nvSpPr>
-        <p:spPr>
-          <a:xfrm>
-            <a:off x="10670123" y="4892977"/>
-            <a:ext cx="841897" cy="369332"/>
-          </a:xfrm>
-          <a:prstGeom prst="rect">
-            <a:avLst/>
-          </a:prstGeom>
-          <a:noFill/>
-        </p:spPr>
-        <p:txBody>
-          <a:bodyPr wrap="none" rtlCol="0">
-            <a:spAutoFit/>
-          </a:bodyPr>
-          <a:lstStyle/>
-          <a:p>
-            <a:r>
-              <a:rPr lang="en-US" dirty="0"/>
-              <a:t>winner</a:t>
-            </a:r>
-          </a:p>
-        </p:txBody>
-      </p:sp>
-      <p:sp>
-        <p:nvSpPr>
           <p:cNvPr id="97" name="TextBox 96">
             <a:extLst>
               <a:ext uri="{FF2B5EF4-FFF2-40B4-BE49-F238E27FC236}">
@@ -5854,42 +5752,6 @@
           </a:p>
         </p:txBody>
       </p:sp>
-      <p:pic>
-        <p:nvPicPr>
-          <p:cNvPr id="75" name="Graphic 74" descr="Ribbon">
-            <a:extLst>
-              <a:ext uri="{FF2B5EF4-FFF2-40B4-BE49-F238E27FC236}">
-                <a16:creationId xmlns:a16="http://schemas.microsoft.com/office/drawing/2014/main" id="{5E24A435-A2F4-AB46-AE14-A7D22A538D1D}"/>
-              </a:ext>
-            </a:extLst>
-          </p:cNvPr>
-          <p:cNvPicPr>
-            <a:picLocks noChangeAspect="1"/>
-          </p:cNvPicPr>
-          <p:nvPr/>
-        </p:nvPicPr>
-        <p:blipFill>
-          <a:blip r:embed="rId24">
-            <a:extLst>
-              <a:ext uri="{96DAC541-7B7A-43D3-8B79-37D633B846F1}">
-                <asvg:svgBlip xmlns:asvg="http://schemas.microsoft.com/office/drawing/2016/SVG/main" r:embed="rId25"/>
-              </a:ext>
-            </a:extLst>
-          </a:blip>
-          <a:stretch>
-            <a:fillRect/>
-          </a:stretch>
-        </p:blipFill>
-        <p:spPr>
-          <a:xfrm>
-            <a:off x="9882671" y="4326105"/>
-            <a:ext cx="570967" cy="570967"/>
-          </a:xfrm>
-          <a:prstGeom prst="rect">
-            <a:avLst/>
-          </a:prstGeom>
-        </p:spPr>
-      </p:pic>
       <p:cxnSp>
         <p:nvCxnSpPr>
           <p:cNvPr id="85" name="Straight Connector 84">
@@ -6012,71 +5874,6 @@
       </p:cxnSp>
       <p:sp>
         <p:nvSpPr>
-          <p:cNvPr id="107" name="Rounded Rectangle 106">
-            <a:extLst>
-              <a:ext uri="{FF2B5EF4-FFF2-40B4-BE49-F238E27FC236}">
-                <a16:creationId xmlns:a16="http://schemas.microsoft.com/office/drawing/2014/main" id="{61B29BA5-0AA9-7646-9B59-88F22FC9E63F}"/>
-              </a:ext>
-            </a:extLst>
-          </p:cNvPr>
-          <p:cNvSpPr/>
-          <p:nvPr/>
-        </p:nvSpPr>
-        <p:spPr>
-          <a:xfrm>
-            <a:off x="10503722" y="4274131"/>
-            <a:ext cx="1170215" cy="674914"/>
-          </a:xfrm>
-          <a:prstGeom prst="roundRect">
-            <a:avLst/>
-          </a:prstGeom>
-          <a:solidFill>
-            <a:schemeClr val="accent6">
-              <a:lumMod val="75000"/>
-            </a:schemeClr>
-          </a:solidFill>
-          <a:ln w="19050">
-            <a:solidFill>
-              <a:schemeClr val="accent6">
-                <a:lumMod val="50000"/>
-              </a:schemeClr>
-            </a:solidFill>
-          </a:ln>
-        </p:spPr>
-        <p:style>
-          <a:lnRef idx="2">
-            <a:schemeClr val="accent1">
-              <a:shade val="50000"/>
-            </a:schemeClr>
-          </a:lnRef>
-          <a:fillRef idx="1">
-            <a:schemeClr val="accent1"/>
-          </a:fillRef>
-          <a:effectRef idx="0">
-            <a:schemeClr val="accent1"/>
-          </a:effectRef>
-          <a:fontRef idx="minor">
-            <a:schemeClr val="lt1"/>
-          </a:fontRef>
-        </p:style>
-        <p:txBody>
-          <a:bodyPr rtlCol="0" anchor="ctr"/>
-          <a:lstStyle/>
-          <a:p>
-            <a:pPr algn="ctr"/>
-            <a:r>
-              <a:rPr lang="en-US" dirty="0">
-                <a:solidFill>
-                  <a:schemeClr val="bg1"/>
-                </a:solidFill>
-              </a:rPr>
-              <a:t>v2.0</a:t>
-            </a:r>
-          </a:p>
-        </p:txBody>
-      </p:sp>
-      <p:sp>
-        <p:nvSpPr>
           <p:cNvPr id="109" name="Rounded Rectangle 108">
             <a:extLst>
               <a:ext uri="{FF2B5EF4-FFF2-40B4-BE49-F238E27FC236}">
@@ -6516,10 +6313,10 @@
           <p:nvPr/>
         </p:nvPicPr>
         <p:blipFill>
-          <a:blip r:embed="rId26">
+          <a:blip r:embed="rId24">
             <a:extLst>
               <a:ext uri="{96DAC541-7B7A-43D3-8B79-37D633B846F1}">
-                <asvg:svgBlip xmlns:asvg="http://schemas.microsoft.com/office/drawing/2016/SVG/main" r:embed="rId27"/>
+                <asvg:svgBlip xmlns:asvg="http://schemas.microsoft.com/office/drawing/2016/SVG/main" r:embed="rId25"/>
               </a:ext>
             </a:extLst>
           </a:blip>
@@ -6552,10 +6349,10 @@
           <p:nvPr/>
         </p:nvPicPr>
         <p:blipFill>
-          <a:blip r:embed="rId26">
+          <a:blip r:embed="rId24">
             <a:extLst>
               <a:ext uri="{96DAC541-7B7A-43D3-8B79-37D633B846F1}">
-                <asvg:svgBlip xmlns:asvg="http://schemas.microsoft.com/office/drawing/2016/SVG/main" r:embed="rId27"/>
+                <asvg:svgBlip xmlns:asvg="http://schemas.microsoft.com/office/drawing/2016/SVG/main" r:embed="rId25"/>
               </a:ext>
             </a:extLst>
           </a:blip>
@@ -6588,10 +6385,10 @@
           <p:nvPr/>
         </p:nvPicPr>
         <p:blipFill>
-          <a:blip r:embed="rId26">
+          <a:blip r:embed="rId24">
             <a:extLst>
               <a:ext uri="{96DAC541-7B7A-43D3-8B79-37D633B846F1}">
-                <asvg:svgBlip xmlns:asvg="http://schemas.microsoft.com/office/drawing/2016/SVG/main" r:embed="rId27"/>
+                <asvg:svgBlip xmlns:asvg="http://schemas.microsoft.com/office/drawing/2016/SVG/main" r:embed="rId25"/>
               </a:ext>
             </a:extLst>
           </a:blip>
@@ -6609,134 +6406,6 @@
           </a:prstGeom>
         </p:spPr>
       </p:pic>
-      <p:sp>
-        <p:nvSpPr>
-          <p:cNvPr id="125" name="TextBox 124">
-            <a:extLst>
-              <a:ext uri="{FF2B5EF4-FFF2-40B4-BE49-F238E27FC236}">
-                <a16:creationId xmlns:a16="http://schemas.microsoft.com/office/drawing/2014/main" id="{A74F0C19-16CB-B14F-8178-56C841388CA6}"/>
-              </a:ext>
-            </a:extLst>
-          </p:cNvPr>
-          <p:cNvSpPr txBox="1"/>
-          <p:nvPr/>
-        </p:nvSpPr>
-        <p:spPr>
-          <a:xfrm>
-            <a:off x="10824982" y="3503551"/>
-            <a:ext cx="1163460" cy="369332"/>
-          </a:xfrm>
-          <a:prstGeom prst="rect">
-            <a:avLst/>
-          </a:prstGeom>
-          <a:noFill/>
-        </p:spPr>
-        <p:txBody>
-          <a:bodyPr wrap="none" rtlCol="0">
-            <a:spAutoFit/>
-          </a:bodyPr>
-          <a:lstStyle/>
-          <a:p>
-            <a:r>
-              <a:rPr lang="en-US" dirty="0"/>
-              <a:t>Objectives</a:t>
-            </a:r>
-          </a:p>
-        </p:txBody>
-      </p:sp>
-      <p:pic>
-        <p:nvPicPr>
-          <p:cNvPr id="126" name="Graphic 125" descr="Checkbox Checked">
-            <a:extLst>
-              <a:ext uri="{FF2B5EF4-FFF2-40B4-BE49-F238E27FC236}">
-                <a16:creationId xmlns:a16="http://schemas.microsoft.com/office/drawing/2014/main" id="{D29E6598-96C1-2C4F-802D-6AAD9F9D6870}"/>
-              </a:ext>
-            </a:extLst>
-          </p:cNvPr>
-          <p:cNvPicPr>
-            <a:picLocks noChangeAspect="1"/>
-          </p:cNvPicPr>
-          <p:nvPr/>
-        </p:nvPicPr>
-        <p:blipFill>
-          <a:blip r:embed="rId28">
-            <a:extLst>
-              <a:ext uri="{96DAC541-7B7A-43D3-8B79-37D633B846F1}">
-                <asvg:svgBlip xmlns:asvg="http://schemas.microsoft.com/office/drawing/2016/SVG/main" r:embed="rId29"/>
-              </a:ext>
-            </a:extLst>
-          </a:blip>
-          <a:stretch>
-            <a:fillRect/>
-          </a:stretch>
-        </p:blipFill>
-        <p:spPr>
-          <a:xfrm>
-            <a:off x="10314915" y="3421313"/>
-            <a:ext cx="533808" cy="533808"/>
-          </a:xfrm>
-          <a:prstGeom prst="rect">
-            <a:avLst/>
-          </a:prstGeom>
-        </p:spPr>
-      </p:pic>
-      <p:sp>
-        <p:nvSpPr>
-          <p:cNvPr id="3" name="Footer Placeholder 2">
-            <a:extLst>
-              <a:ext uri="{FF2B5EF4-FFF2-40B4-BE49-F238E27FC236}">
-                <a16:creationId xmlns:a16="http://schemas.microsoft.com/office/drawing/2014/main" id="{B6C12106-0EF2-544A-8FF8-CF0CA388D7EB}"/>
-              </a:ext>
-            </a:extLst>
-          </p:cNvPr>
-          <p:cNvSpPr>
-            <a:spLocks noGrp="1"/>
-          </p:cNvSpPr>
-          <p:nvPr>
-            <p:ph type="ftr" sz="quarter" idx="11"/>
-          </p:nvPr>
-        </p:nvSpPr>
-        <p:spPr/>
-        <p:txBody>
-          <a:bodyPr/>
-          <a:lstStyle/>
-          <a:p>
-            <a:r>
-              <a:rPr lang="en-US"/>
-              <a:t>https://iter8.tools</a:t>
-            </a:r>
-          </a:p>
-        </p:txBody>
-      </p:sp>
-      <p:sp>
-        <p:nvSpPr>
-          <p:cNvPr id="12" name="Slide Number Placeholder 11">
-            <a:extLst>
-              <a:ext uri="{FF2B5EF4-FFF2-40B4-BE49-F238E27FC236}">
-                <a16:creationId xmlns:a16="http://schemas.microsoft.com/office/drawing/2014/main" id="{77255BC4-DDCE-6141-B86D-7C02FB0F7529}"/>
-              </a:ext>
-            </a:extLst>
-          </p:cNvPr>
-          <p:cNvSpPr>
-            <a:spLocks noGrp="1"/>
-          </p:cNvSpPr>
-          <p:nvPr>
-            <p:ph type="sldNum" sz="quarter" idx="12"/>
-          </p:nvPr>
-        </p:nvSpPr>
-        <p:spPr/>
-        <p:txBody>
-          <a:bodyPr/>
-          <a:lstStyle/>
-          <a:p>
-            <a:fld id="{B78E2DF1-CA0F-8745-8AE1-A3A61670CB1B}" type="slidenum">
-              <a:rPr lang="en-US" smtClean="0"/>
-              <a:t>1</a:t>
-            </a:fld>
-            <a:endParaRPr lang="en-US"/>
-          </a:p>
-        </p:txBody>
-      </p:sp>
     </p:spTree>
     <p:extLst>
       <p:ext uri="{BB962C8B-B14F-4D97-AF65-F5344CB8AC3E}">

--- a/mkdocs/docs/images/src/mirroring.pptx
+++ b/mkdocs/docs/images/src/mirroring.pptx
@@ -197,7 +197,7 @@
           <a:p>
             <a:fld id="{38B78CBE-37FA-D241-BB4C-CAC5D3B25F49}" type="datetimeFigureOut">
               <a:rPr lang="en-US" smtClean="0"/>
-              <a:t>4/28/21</a:t>
+              <a:t>4/30/21</a:t>
             </a:fld>
             <a:endParaRPr lang="en-US"/>
           </a:p>
@@ -611,7 +611,7 @@
           <a:p>
             <a:fld id="{708812C5-0212-FD42-A0D4-E2E8FF4E3AF5}" type="datetime1">
               <a:rPr lang="en-US" smtClean="0"/>
-              <a:t>4/28/21</a:t>
+              <a:t>4/30/21</a:t>
             </a:fld>
             <a:endParaRPr lang="en-US"/>
           </a:p>
@@ -812,7 +812,7 @@
           <a:p>
             <a:fld id="{D232AC6F-41C3-B34B-9BAA-03ED2F3BC0F6}" type="datetime1">
               <a:rPr lang="en-US" smtClean="0"/>
-              <a:t>4/28/21</a:t>
+              <a:t>4/30/21</a:t>
             </a:fld>
             <a:endParaRPr lang="en-US"/>
           </a:p>
@@ -1023,7 +1023,7 @@
           <a:p>
             <a:fld id="{BEE140C2-F440-9D49-95CB-5965D64CC4A2}" type="datetime1">
               <a:rPr lang="en-US" smtClean="0"/>
-              <a:t>4/28/21</a:t>
+              <a:t>4/30/21</a:t>
             </a:fld>
             <a:endParaRPr lang="en-US"/>
           </a:p>
@@ -1224,7 +1224,7 @@
           <a:p>
             <a:fld id="{CC99F980-FB29-FD47-8508-150F73F1E8B0}" type="datetime1">
               <a:rPr lang="en-US" smtClean="0"/>
-              <a:t>4/28/21</a:t>
+              <a:t>4/30/21</a:t>
             </a:fld>
             <a:endParaRPr lang="en-US"/>
           </a:p>
@@ -1502,7 +1502,7 @@
           <a:p>
             <a:fld id="{D4510983-EA22-9643-8AC0-B3C6499B643B}" type="datetime1">
               <a:rPr lang="en-US" smtClean="0"/>
-              <a:t>4/28/21</a:t>
+              <a:t>4/30/21</a:t>
             </a:fld>
             <a:endParaRPr lang="en-US"/>
           </a:p>
@@ -1770,7 +1770,7 @@
           <a:p>
             <a:fld id="{D5A39195-967D-5D4E-8C6A-C99866996458}" type="datetime1">
               <a:rPr lang="en-US" smtClean="0"/>
-              <a:t>4/28/21</a:t>
+              <a:t>4/30/21</a:t>
             </a:fld>
             <a:endParaRPr lang="en-US"/>
           </a:p>
@@ -2185,7 +2185,7 @@
           <a:p>
             <a:fld id="{5AD771E9-C79D-684D-A158-5EB6E92DE947}" type="datetime1">
               <a:rPr lang="en-US" smtClean="0"/>
-              <a:t>4/28/21</a:t>
+              <a:t>4/30/21</a:t>
             </a:fld>
             <a:endParaRPr lang="en-US"/>
           </a:p>
@@ -2329,7 +2329,7 @@
           <a:p>
             <a:fld id="{693CA161-7E4C-5C4B-B799-DB602A0B9806}" type="datetime1">
               <a:rPr lang="en-US" smtClean="0"/>
-              <a:t>4/28/21</a:t>
+              <a:t>4/30/21</a:t>
             </a:fld>
             <a:endParaRPr lang="en-US"/>
           </a:p>
@@ -2445,7 +2445,7 @@
           <a:p>
             <a:fld id="{6D55FDF3-8BB2-6349-A5FA-057F3D78953D}" type="datetime1">
               <a:rPr lang="en-US" smtClean="0"/>
-              <a:t>4/28/21</a:t>
+              <a:t>4/30/21</a:t>
             </a:fld>
             <a:endParaRPr lang="en-US"/>
           </a:p>
@@ -2759,7 +2759,7 @@
           <a:p>
             <a:fld id="{EEDFACC0-3228-BA4B-942E-CEF38B0101FD}" type="datetime1">
               <a:rPr lang="en-US" smtClean="0"/>
-              <a:t>4/28/21</a:t>
+              <a:t>4/30/21</a:t>
             </a:fld>
             <a:endParaRPr lang="en-US"/>
           </a:p>
@@ -3050,7 +3050,7 @@
           <a:p>
             <a:fld id="{07EEEDBE-E24C-D140-B419-6D8D592D0F1C}" type="datetime1">
               <a:rPr lang="en-US" smtClean="0"/>
-              <a:t>4/28/21</a:t>
+              <a:t>4/30/21</a:t>
             </a:fld>
             <a:endParaRPr lang="en-US"/>
           </a:p>
@@ -3294,7 +3294,7 @@
           <a:p>
             <a:fld id="{E05781A2-A5EF-C54C-A3EF-F62483D37EDC}" type="datetime1">
               <a:rPr lang="en-US" smtClean="0"/>
-              <a:t>4/28/21</a:t>
+              <a:t>4/30/21</a:t>
             </a:fld>
             <a:endParaRPr lang="en-US"/>
           </a:p>
@@ -6400,6 +6400,268 @@
           <a:xfrm>
             <a:off x="7321075" y="4365980"/>
             <a:ext cx="491217" cy="491217"/>
+          </a:xfrm>
+          <a:prstGeom prst="rect">
+            <a:avLst/>
+          </a:prstGeom>
+        </p:spPr>
+      </p:pic>
+      <p:sp>
+        <p:nvSpPr>
+          <p:cNvPr id="62" name="Rounded Rectangle 61">
+            <a:extLst>
+              <a:ext uri="{FF2B5EF4-FFF2-40B4-BE49-F238E27FC236}">
+                <a16:creationId xmlns:a16="http://schemas.microsoft.com/office/drawing/2014/main" id="{C8829B1A-4982-B34C-9E84-3342073256F4}"/>
+              </a:ext>
+            </a:extLst>
+          </p:cNvPr>
+          <p:cNvSpPr/>
+          <p:nvPr/>
+        </p:nvSpPr>
+        <p:spPr>
+          <a:xfrm>
+            <a:off x="10644318" y="4026533"/>
+            <a:ext cx="1170215" cy="674914"/>
+          </a:xfrm>
+          <a:prstGeom prst="roundRect">
+            <a:avLst/>
+          </a:prstGeom>
+          <a:solidFill>
+            <a:schemeClr val="accent6">
+              <a:lumMod val="40000"/>
+              <a:lumOff val="60000"/>
+            </a:schemeClr>
+          </a:solidFill>
+          <a:ln w="19050">
+            <a:solidFill>
+              <a:schemeClr val="accent6">
+                <a:lumMod val="50000"/>
+              </a:schemeClr>
+            </a:solidFill>
+          </a:ln>
+        </p:spPr>
+        <p:style>
+          <a:lnRef idx="2">
+            <a:schemeClr val="accent1">
+              <a:shade val="50000"/>
+            </a:schemeClr>
+          </a:lnRef>
+          <a:fillRef idx="1">
+            <a:schemeClr val="accent1"/>
+          </a:fillRef>
+          <a:effectRef idx="0">
+            <a:schemeClr val="accent1"/>
+          </a:effectRef>
+          <a:fontRef idx="minor">
+            <a:schemeClr val="lt1"/>
+          </a:fontRef>
+        </p:style>
+        <p:txBody>
+          <a:bodyPr rtlCol="0" anchor="ctr"/>
+          <a:lstStyle/>
+          <a:p>
+            <a:pPr algn="ctr"/>
+            <a:endParaRPr lang="en-US" dirty="0">
+              <a:solidFill>
+                <a:schemeClr val="tx1"/>
+              </a:solidFill>
+            </a:endParaRPr>
+          </a:p>
+        </p:txBody>
+      </p:sp>
+      <p:sp>
+        <p:nvSpPr>
+          <p:cNvPr id="63" name="Rounded Rectangle 62">
+            <a:extLst>
+              <a:ext uri="{FF2B5EF4-FFF2-40B4-BE49-F238E27FC236}">
+                <a16:creationId xmlns:a16="http://schemas.microsoft.com/office/drawing/2014/main" id="{B9419EBA-1166-8E4E-8FF8-0984A62D8D19}"/>
+              </a:ext>
+            </a:extLst>
+          </p:cNvPr>
+          <p:cNvSpPr/>
+          <p:nvPr/>
+        </p:nvSpPr>
+        <p:spPr>
+          <a:xfrm>
+            <a:off x="10502804" y="4136604"/>
+            <a:ext cx="1170215" cy="674914"/>
+          </a:xfrm>
+          <a:prstGeom prst="roundRect">
+            <a:avLst/>
+          </a:prstGeom>
+          <a:solidFill>
+            <a:schemeClr val="accent6">
+              <a:lumMod val="60000"/>
+              <a:lumOff val="40000"/>
+            </a:schemeClr>
+          </a:solidFill>
+          <a:ln w="19050">
+            <a:solidFill>
+              <a:schemeClr val="accent6">
+                <a:lumMod val="50000"/>
+              </a:schemeClr>
+            </a:solidFill>
+          </a:ln>
+        </p:spPr>
+        <p:style>
+          <a:lnRef idx="2">
+            <a:schemeClr val="accent1">
+              <a:shade val="50000"/>
+            </a:schemeClr>
+          </a:lnRef>
+          <a:fillRef idx="1">
+            <a:schemeClr val="accent1"/>
+          </a:fillRef>
+          <a:effectRef idx="0">
+            <a:schemeClr val="accent1"/>
+          </a:effectRef>
+          <a:fontRef idx="minor">
+            <a:schemeClr val="lt1"/>
+          </a:fontRef>
+        </p:style>
+        <p:txBody>
+          <a:bodyPr rtlCol="0" anchor="ctr"/>
+          <a:lstStyle/>
+          <a:p>
+            <a:pPr algn="ctr"/>
+            <a:endParaRPr lang="en-US" dirty="0">
+              <a:solidFill>
+                <a:schemeClr val="tx1"/>
+              </a:solidFill>
+            </a:endParaRPr>
+          </a:p>
+        </p:txBody>
+      </p:sp>
+      <p:sp>
+        <p:nvSpPr>
+          <p:cNvPr id="64" name="Rounded Rectangle 63">
+            <a:extLst>
+              <a:ext uri="{FF2B5EF4-FFF2-40B4-BE49-F238E27FC236}">
+                <a16:creationId xmlns:a16="http://schemas.microsoft.com/office/drawing/2014/main" id="{8461AF62-9AB5-7347-946F-7BF85230FDC8}"/>
+              </a:ext>
+            </a:extLst>
+          </p:cNvPr>
+          <p:cNvSpPr/>
+          <p:nvPr/>
+        </p:nvSpPr>
+        <p:spPr>
+          <a:xfrm>
+            <a:off x="10372175" y="4272676"/>
+            <a:ext cx="1170215" cy="674914"/>
+          </a:xfrm>
+          <a:prstGeom prst="roundRect">
+            <a:avLst/>
+          </a:prstGeom>
+          <a:solidFill>
+            <a:schemeClr val="accent6">
+              <a:lumMod val="75000"/>
+            </a:schemeClr>
+          </a:solidFill>
+          <a:ln w="19050">
+            <a:solidFill>
+              <a:schemeClr val="accent6">
+                <a:lumMod val="50000"/>
+              </a:schemeClr>
+            </a:solidFill>
+          </a:ln>
+        </p:spPr>
+        <p:style>
+          <a:lnRef idx="2">
+            <a:schemeClr val="accent1">
+              <a:shade val="50000"/>
+            </a:schemeClr>
+          </a:lnRef>
+          <a:fillRef idx="1">
+            <a:schemeClr val="accent1"/>
+          </a:fillRef>
+          <a:effectRef idx="0">
+            <a:schemeClr val="accent1"/>
+          </a:effectRef>
+          <a:fontRef idx="minor">
+            <a:schemeClr val="lt1"/>
+          </a:fontRef>
+        </p:style>
+        <p:txBody>
+          <a:bodyPr rtlCol="0" anchor="ctr"/>
+          <a:lstStyle/>
+          <a:p>
+            <a:pPr algn="ctr"/>
+            <a:r>
+              <a:rPr lang="en-US" dirty="0">
+                <a:solidFill>
+                  <a:schemeClr val="bg1"/>
+                </a:solidFill>
+              </a:rPr>
+              <a:t>v2.0</a:t>
+            </a:r>
+          </a:p>
+        </p:txBody>
+      </p:sp>
+      <p:sp>
+        <p:nvSpPr>
+          <p:cNvPr id="65" name="TextBox 64">
+            <a:extLst>
+              <a:ext uri="{FF2B5EF4-FFF2-40B4-BE49-F238E27FC236}">
+                <a16:creationId xmlns:a16="http://schemas.microsoft.com/office/drawing/2014/main" id="{9B173740-4270-9845-A352-126D6B99940E}"/>
+              </a:ext>
+            </a:extLst>
+          </p:cNvPr>
+          <p:cNvSpPr txBox="1"/>
+          <p:nvPr/>
+        </p:nvSpPr>
+        <p:spPr>
+          <a:xfrm>
+            <a:off x="10536333" y="4911314"/>
+            <a:ext cx="841897" cy="369332"/>
+          </a:xfrm>
+          <a:prstGeom prst="rect">
+            <a:avLst/>
+          </a:prstGeom>
+          <a:noFill/>
+        </p:spPr>
+        <p:txBody>
+          <a:bodyPr wrap="none" rtlCol="0">
+            <a:spAutoFit/>
+          </a:bodyPr>
+          <a:lstStyle/>
+          <a:p>
+            <a:r>
+              <a:rPr lang="en-US" dirty="0"/>
+              <a:t>winner</a:t>
+            </a:r>
+          </a:p>
+        </p:txBody>
+      </p:sp>
+      <p:pic>
+        <p:nvPicPr>
+          <p:cNvPr id="66" name="Graphic 65" descr="Ribbon">
+            <a:extLst>
+              <a:ext uri="{FF2B5EF4-FFF2-40B4-BE49-F238E27FC236}">
+                <a16:creationId xmlns:a16="http://schemas.microsoft.com/office/drawing/2014/main" id="{46E8699C-BE66-354D-A2A9-EF0C86ED9F9F}"/>
+              </a:ext>
+            </a:extLst>
+          </p:cNvPr>
+          <p:cNvPicPr>
+            <a:picLocks noChangeAspect="1"/>
+          </p:cNvPicPr>
+          <p:nvPr/>
+        </p:nvPicPr>
+        <p:blipFill>
+          <a:blip r:embed="rId26">
+            <a:extLst>
+              <a:ext uri="{96DAC541-7B7A-43D3-8B79-37D633B846F1}">
+                <asvg:svgBlip xmlns:asvg="http://schemas.microsoft.com/office/drawing/2016/SVG/main" r:embed="rId27"/>
+              </a:ext>
+            </a:extLst>
+          </a:blip>
+          <a:stretch>
+            <a:fillRect/>
+          </a:stretch>
+        </p:blipFill>
+        <p:spPr>
+          <a:xfrm>
+            <a:off x="9792940" y="4324650"/>
+            <a:ext cx="570967" cy="570967"/>
           </a:xfrm>
           <a:prstGeom prst="rect">
             <a:avLst/>

--- a/mkdocs/docs/images/src/mirroring.pptx
+++ b/mkdocs/docs/images/src/mirroring.pptx
@@ -197,7 +197,7 @@
           <a:p>
             <a:fld id="{38B78CBE-37FA-D241-BB4C-CAC5D3B25F49}" type="datetimeFigureOut">
               <a:rPr lang="en-US" smtClean="0"/>
-              <a:t>4/30/21</a:t>
+              <a:t>6/15/21</a:t>
             </a:fld>
             <a:endParaRPr lang="en-US"/>
           </a:p>
@@ -611,7 +611,7 @@
           <a:p>
             <a:fld id="{708812C5-0212-FD42-A0D4-E2E8FF4E3AF5}" type="datetime1">
               <a:rPr lang="en-US" smtClean="0"/>
-              <a:t>4/30/21</a:t>
+              <a:t>6/15/21</a:t>
             </a:fld>
             <a:endParaRPr lang="en-US"/>
           </a:p>
@@ -812,7 +812,7 @@
           <a:p>
             <a:fld id="{D232AC6F-41C3-B34B-9BAA-03ED2F3BC0F6}" type="datetime1">
               <a:rPr lang="en-US" smtClean="0"/>
-              <a:t>4/30/21</a:t>
+              <a:t>6/15/21</a:t>
             </a:fld>
             <a:endParaRPr lang="en-US"/>
           </a:p>
@@ -1023,7 +1023,7 @@
           <a:p>
             <a:fld id="{BEE140C2-F440-9D49-95CB-5965D64CC4A2}" type="datetime1">
               <a:rPr lang="en-US" smtClean="0"/>
-              <a:t>4/30/21</a:t>
+              <a:t>6/15/21</a:t>
             </a:fld>
             <a:endParaRPr lang="en-US"/>
           </a:p>
@@ -1224,7 +1224,7 @@
           <a:p>
             <a:fld id="{CC99F980-FB29-FD47-8508-150F73F1E8B0}" type="datetime1">
               <a:rPr lang="en-US" smtClean="0"/>
-              <a:t>4/30/21</a:t>
+              <a:t>6/15/21</a:t>
             </a:fld>
             <a:endParaRPr lang="en-US"/>
           </a:p>
@@ -1502,7 +1502,7 @@
           <a:p>
             <a:fld id="{D4510983-EA22-9643-8AC0-B3C6499B643B}" type="datetime1">
               <a:rPr lang="en-US" smtClean="0"/>
-              <a:t>4/30/21</a:t>
+              <a:t>6/15/21</a:t>
             </a:fld>
             <a:endParaRPr lang="en-US"/>
           </a:p>
@@ -1770,7 +1770,7 @@
           <a:p>
             <a:fld id="{D5A39195-967D-5D4E-8C6A-C99866996458}" type="datetime1">
               <a:rPr lang="en-US" smtClean="0"/>
-              <a:t>4/30/21</a:t>
+              <a:t>6/15/21</a:t>
             </a:fld>
             <a:endParaRPr lang="en-US"/>
           </a:p>
@@ -2185,7 +2185,7 @@
           <a:p>
             <a:fld id="{5AD771E9-C79D-684D-A158-5EB6E92DE947}" type="datetime1">
               <a:rPr lang="en-US" smtClean="0"/>
-              <a:t>4/30/21</a:t>
+              <a:t>6/15/21</a:t>
             </a:fld>
             <a:endParaRPr lang="en-US"/>
           </a:p>
@@ -2329,7 +2329,7 @@
           <a:p>
             <a:fld id="{693CA161-7E4C-5C4B-B799-DB602A0B9806}" type="datetime1">
               <a:rPr lang="en-US" smtClean="0"/>
-              <a:t>4/30/21</a:t>
+              <a:t>6/15/21</a:t>
             </a:fld>
             <a:endParaRPr lang="en-US"/>
           </a:p>
@@ -2445,7 +2445,7 @@
           <a:p>
             <a:fld id="{6D55FDF3-8BB2-6349-A5FA-057F3D78953D}" type="datetime1">
               <a:rPr lang="en-US" smtClean="0"/>
-              <a:t>4/30/21</a:t>
+              <a:t>6/15/21</a:t>
             </a:fld>
             <a:endParaRPr lang="en-US"/>
           </a:p>
@@ -2759,7 +2759,7 @@
           <a:p>
             <a:fld id="{EEDFACC0-3228-BA4B-942E-CEF38B0101FD}" type="datetime1">
               <a:rPr lang="en-US" smtClean="0"/>
-              <a:t>4/30/21</a:t>
+              <a:t>6/15/21</a:t>
             </a:fld>
             <a:endParaRPr lang="en-US"/>
           </a:p>
@@ -3050,7 +3050,7 @@
           <a:p>
             <a:fld id="{07EEEDBE-E24C-D140-B419-6D8D592D0F1C}" type="datetime1">
               <a:rPr lang="en-US" smtClean="0"/>
-              <a:t>4/30/21</a:t>
+              <a:t>6/15/21</a:t>
             </a:fld>
             <a:endParaRPr lang="en-US"/>
           </a:p>
@@ -3294,7 +3294,7 @@
           <a:p>
             <a:fld id="{E05781A2-A5EF-C54C-A3EF-F62483D37EDC}" type="datetime1">
               <a:rPr lang="en-US" smtClean="0"/>
-              <a:t>4/30/21</a:t>
+              <a:t>6/15/21</a:t>
             </a:fld>
             <a:endParaRPr lang="en-US"/>
           </a:p>
@@ -4087,7 +4087,7 @@
                   <a:schemeClr val="bg1"/>
                 </a:solidFill>
               </a:rPr>
-              <a:t>v1.0</a:t>
+              <a:t>v1</a:t>
             </a:r>
           </a:p>
         </p:txBody>
@@ -4152,7 +4152,7 @@
                   <a:schemeClr val="bg1"/>
                 </a:solidFill>
               </a:rPr>
-              <a:t>v2.0</a:t>
+              <a:t>v2</a:t>
             </a:r>
           </a:p>
         </p:txBody>
@@ -4801,7 +4801,7 @@
                   <a:schemeClr val="bg1"/>
                 </a:solidFill>
               </a:rPr>
-              <a:t>v1.0</a:t>
+              <a:t>v1</a:t>
             </a:r>
           </a:p>
         </p:txBody>
@@ -4866,7 +4866,7 @@
                   <a:schemeClr val="bg1"/>
                 </a:solidFill>
               </a:rPr>
-              <a:t>v2.0</a:t>
+              <a:t>v2</a:t>
             </a:r>
           </a:p>
         </p:txBody>
@@ -5212,7 +5212,7 @@
                   <a:schemeClr val="bg1"/>
                 </a:solidFill>
               </a:rPr>
-              <a:t>v1.0</a:t>
+              <a:t>v1</a:t>
             </a:r>
           </a:p>
         </p:txBody>
@@ -5277,7 +5277,7 @@
                   <a:schemeClr val="bg1"/>
                 </a:solidFill>
               </a:rPr>
-              <a:t>v2.0</a:t>
+              <a:t>v2</a:t>
             </a:r>
           </a:p>
         </p:txBody>
@@ -6592,7 +6592,7 @@
                   <a:schemeClr val="bg1"/>
                 </a:solidFill>
               </a:rPr>
-              <a:t>v2.0</a:t>
+              <a:t>v2</a:t>
             </a:r>
           </a:p>
         </p:txBody>

--- a/mkdocs/docs/images/src/mirroring.pptx
+++ b/mkdocs/docs/images/src/mirroring.pptx
@@ -197,7 +197,7 @@
           <a:p>
             <a:fld id="{38B78CBE-37FA-D241-BB4C-CAC5D3B25F49}" type="datetimeFigureOut">
               <a:rPr lang="en-US" smtClean="0"/>
-              <a:t>6/15/21</a:t>
+              <a:t>6/16/21</a:t>
             </a:fld>
             <a:endParaRPr lang="en-US"/>
           </a:p>
@@ -611,7 +611,7 @@
           <a:p>
             <a:fld id="{708812C5-0212-FD42-A0D4-E2E8FF4E3AF5}" type="datetime1">
               <a:rPr lang="en-US" smtClean="0"/>
-              <a:t>6/15/21</a:t>
+              <a:t>6/16/21</a:t>
             </a:fld>
             <a:endParaRPr lang="en-US"/>
           </a:p>
@@ -812,7 +812,7 @@
           <a:p>
             <a:fld id="{D232AC6F-41C3-B34B-9BAA-03ED2F3BC0F6}" type="datetime1">
               <a:rPr lang="en-US" smtClean="0"/>
-              <a:t>6/15/21</a:t>
+              <a:t>6/16/21</a:t>
             </a:fld>
             <a:endParaRPr lang="en-US"/>
           </a:p>
@@ -1023,7 +1023,7 @@
           <a:p>
             <a:fld id="{BEE140C2-F440-9D49-95CB-5965D64CC4A2}" type="datetime1">
               <a:rPr lang="en-US" smtClean="0"/>
-              <a:t>6/15/21</a:t>
+              <a:t>6/16/21</a:t>
             </a:fld>
             <a:endParaRPr lang="en-US"/>
           </a:p>
@@ -1224,7 +1224,7 @@
           <a:p>
             <a:fld id="{CC99F980-FB29-FD47-8508-150F73F1E8B0}" type="datetime1">
               <a:rPr lang="en-US" smtClean="0"/>
-              <a:t>6/15/21</a:t>
+              <a:t>6/16/21</a:t>
             </a:fld>
             <a:endParaRPr lang="en-US"/>
           </a:p>
@@ -1502,7 +1502,7 @@
           <a:p>
             <a:fld id="{D4510983-EA22-9643-8AC0-B3C6499B643B}" type="datetime1">
               <a:rPr lang="en-US" smtClean="0"/>
-              <a:t>6/15/21</a:t>
+              <a:t>6/16/21</a:t>
             </a:fld>
             <a:endParaRPr lang="en-US"/>
           </a:p>
@@ -1770,7 +1770,7 @@
           <a:p>
             <a:fld id="{D5A39195-967D-5D4E-8C6A-C99866996458}" type="datetime1">
               <a:rPr lang="en-US" smtClean="0"/>
-              <a:t>6/15/21</a:t>
+              <a:t>6/16/21</a:t>
             </a:fld>
             <a:endParaRPr lang="en-US"/>
           </a:p>
@@ -2185,7 +2185,7 @@
           <a:p>
             <a:fld id="{5AD771E9-C79D-684D-A158-5EB6E92DE947}" type="datetime1">
               <a:rPr lang="en-US" smtClean="0"/>
-              <a:t>6/15/21</a:t>
+              <a:t>6/16/21</a:t>
             </a:fld>
             <a:endParaRPr lang="en-US"/>
           </a:p>
@@ -2329,7 +2329,7 @@
           <a:p>
             <a:fld id="{693CA161-7E4C-5C4B-B799-DB602A0B9806}" type="datetime1">
               <a:rPr lang="en-US" smtClean="0"/>
-              <a:t>6/15/21</a:t>
+              <a:t>6/16/21</a:t>
             </a:fld>
             <a:endParaRPr lang="en-US"/>
           </a:p>
@@ -2445,7 +2445,7 @@
           <a:p>
             <a:fld id="{6D55FDF3-8BB2-6349-A5FA-057F3D78953D}" type="datetime1">
               <a:rPr lang="en-US" smtClean="0"/>
-              <a:t>6/15/21</a:t>
+              <a:t>6/16/21</a:t>
             </a:fld>
             <a:endParaRPr lang="en-US"/>
           </a:p>
@@ -2759,7 +2759,7 @@
           <a:p>
             <a:fld id="{EEDFACC0-3228-BA4B-942E-CEF38B0101FD}" type="datetime1">
               <a:rPr lang="en-US" smtClean="0"/>
-              <a:t>6/15/21</a:t>
+              <a:t>6/16/21</a:t>
             </a:fld>
             <a:endParaRPr lang="en-US"/>
           </a:p>
@@ -3050,7 +3050,7 @@
           <a:p>
             <a:fld id="{07EEEDBE-E24C-D140-B419-6D8D592D0F1C}" type="datetime1">
               <a:rPr lang="en-US" smtClean="0"/>
-              <a:t>6/15/21</a:t>
+              <a:t>6/16/21</a:t>
             </a:fld>
             <a:endParaRPr lang="en-US"/>
           </a:p>
@@ -3294,7 +3294,7 @@
           <a:p>
             <a:fld id="{E05781A2-A5EF-C54C-A3EF-F62483D37EDC}" type="datetime1">
               <a:rPr lang="en-US" smtClean="0"/>
-              <a:t>6/15/21</a:t>
+              <a:t>6/16/21</a:t>
             </a:fld>
             <a:endParaRPr lang="en-US"/>
           </a:p>
@@ -3729,8 +3729,8 @@
         </p:nvSpPr>
         <p:spPr>
           <a:xfrm>
-            <a:off x="0" y="1389527"/>
-            <a:ext cx="12191999" cy="4518745"/>
+            <a:off x="162689" y="1389527"/>
+            <a:ext cx="11830328" cy="4518745"/>
           </a:xfrm>
           <a:prstGeom prst="rect">
             <a:avLst/>
@@ -5475,8 +5475,8 @@
         </p:nvSpPr>
         <p:spPr>
           <a:xfrm>
-            <a:off x="3273125" y="4895800"/>
-            <a:ext cx="1135439" cy="369332"/>
+            <a:off x="3535882" y="4895800"/>
+            <a:ext cx="622286" cy="369332"/>
           </a:xfrm>
           <a:prstGeom prst="rect">
             <a:avLst/>
@@ -5491,7 +5491,7 @@
           <a:p>
             <a:r>
               <a:rPr lang="en-US" dirty="0"/>
-              <a:t>Candidate</a:t>
+              <a:t>Dark</a:t>
             </a:r>
           </a:p>
         </p:txBody>
@@ -5510,8 +5510,8 @@
         </p:nvSpPr>
         <p:spPr>
           <a:xfrm>
-            <a:off x="5792043" y="4892977"/>
-            <a:ext cx="1135439" cy="369332"/>
+            <a:off x="6054800" y="4892977"/>
+            <a:ext cx="622286" cy="369332"/>
           </a:xfrm>
           <a:prstGeom prst="rect">
             <a:avLst/>
@@ -5526,7 +5526,7 @@
           <a:p>
             <a:r>
               <a:rPr lang="en-US" dirty="0"/>
-              <a:t>Candidate</a:t>
+              <a:t>Dark</a:t>
             </a:r>
           </a:p>
         </p:txBody>
@@ -5545,8 +5545,8 @@
         </p:nvSpPr>
         <p:spPr>
           <a:xfrm>
-            <a:off x="8176680" y="4892977"/>
-            <a:ext cx="1135439" cy="369332"/>
+            <a:off x="8439437" y="4892977"/>
+            <a:ext cx="622286" cy="369332"/>
           </a:xfrm>
           <a:prstGeom prst="rect">
             <a:avLst/>
@@ -5561,7 +5561,7 @@
           <a:p>
             <a:r>
               <a:rPr lang="en-US" dirty="0"/>
-              <a:t>Candidate</a:t>
+              <a:t>Dark</a:t>
             </a:r>
           </a:p>
         </p:txBody>
@@ -5580,8 +5580,8 @@
         </p:nvSpPr>
         <p:spPr>
           <a:xfrm>
-            <a:off x="3356577" y="1466858"/>
-            <a:ext cx="968535" cy="369332"/>
+            <a:off x="3608824" y="1466858"/>
+            <a:ext cx="552715" cy="369332"/>
           </a:xfrm>
           <a:prstGeom prst="rect">
             <a:avLst/>
@@ -5596,7 +5596,7 @@
           <a:p>
             <a:r>
               <a:rPr lang="en-US" dirty="0"/>
-              <a:t>Baseline</a:t>
+              <a:t>Live</a:t>
             </a:r>
           </a:p>
         </p:txBody>
@@ -5615,8 +5615,8 @@
         </p:nvSpPr>
         <p:spPr>
           <a:xfrm>
-            <a:off x="5875495" y="1466858"/>
-            <a:ext cx="968535" cy="369332"/>
+            <a:off x="6127742" y="1466858"/>
+            <a:ext cx="552715" cy="369332"/>
           </a:xfrm>
           <a:prstGeom prst="rect">
             <a:avLst/>
@@ -5631,7 +5631,7 @@
           <a:p>
             <a:r>
               <a:rPr lang="en-US" dirty="0"/>
-              <a:t>Baseline</a:t>
+              <a:t>Live</a:t>
             </a:r>
           </a:p>
         </p:txBody>
@@ -5650,8 +5650,8 @@
         </p:nvSpPr>
         <p:spPr>
           <a:xfrm>
-            <a:off x="8260132" y="1466858"/>
-            <a:ext cx="968535" cy="369332"/>
+            <a:off x="8512379" y="1466858"/>
+            <a:ext cx="552715" cy="369332"/>
           </a:xfrm>
           <a:prstGeom prst="rect">
             <a:avLst/>
@@ -5666,7 +5666,7 @@
           <a:p>
             <a:r>
               <a:rPr lang="en-US" dirty="0"/>
-              <a:t>Baseline</a:t>
+              <a:t>Live</a:t>
             </a:r>
           </a:p>
         </p:txBody>

--- a/mkdocs/docs/images/src/mirroring.pptx
+++ b/mkdocs/docs/images/src/mirroring.pptx
@@ -197,7 +197,7 @@
           <a:p>
             <a:fld id="{38B78CBE-37FA-D241-BB4C-CAC5D3B25F49}" type="datetimeFigureOut">
               <a:rPr lang="en-US" smtClean="0"/>
-              <a:t>4/30/21</a:t>
+              <a:t>6/16/21</a:t>
             </a:fld>
             <a:endParaRPr lang="en-US"/>
           </a:p>
@@ -611,7 +611,7 @@
           <a:p>
             <a:fld id="{708812C5-0212-FD42-A0D4-E2E8FF4E3AF5}" type="datetime1">
               <a:rPr lang="en-US" smtClean="0"/>
-              <a:t>4/30/21</a:t>
+              <a:t>6/16/21</a:t>
             </a:fld>
             <a:endParaRPr lang="en-US"/>
           </a:p>
@@ -812,7 +812,7 @@
           <a:p>
             <a:fld id="{D232AC6F-41C3-B34B-9BAA-03ED2F3BC0F6}" type="datetime1">
               <a:rPr lang="en-US" smtClean="0"/>
-              <a:t>4/30/21</a:t>
+              <a:t>6/16/21</a:t>
             </a:fld>
             <a:endParaRPr lang="en-US"/>
           </a:p>
@@ -1023,7 +1023,7 @@
           <a:p>
             <a:fld id="{BEE140C2-F440-9D49-95CB-5965D64CC4A2}" type="datetime1">
               <a:rPr lang="en-US" smtClean="0"/>
-              <a:t>4/30/21</a:t>
+              <a:t>6/16/21</a:t>
             </a:fld>
             <a:endParaRPr lang="en-US"/>
           </a:p>
@@ -1224,7 +1224,7 @@
           <a:p>
             <a:fld id="{CC99F980-FB29-FD47-8508-150F73F1E8B0}" type="datetime1">
               <a:rPr lang="en-US" smtClean="0"/>
-              <a:t>4/30/21</a:t>
+              <a:t>6/16/21</a:t>
             </a:fld>
             <a:endParaRPr lang="en-US"/>
           </a:p>
@@ -1502,7 +1502,7 @@
           <a:p>
             <a:fld id="{D4510983-EA22-9643-8AC0-B3C6499B643B}" type="datetime1">
               <a:rPr lang="en-US" smtClean="0"/>
-              <a:t>4/30/21</a:t>
+              <a:t>6/16/21</a:t>
             </a:fld>
             <a:endParaRPr lang="en-US"/>
           </a:p>
@@ -1770,7 +1770,7 @@
           <a:p>
             <a:fld id="{D5A39195-967D-5D4E-8C6A-C99866996458}" type="datetime1">
               <a:rPr lang="en-US" smtClean="0"/>
-              <a:t>4/30/21</a:t>
+              <a:t>6/16/21</a:t>
             </a:fld>
             <a:endParaRPr lang="en-US"/>
           </a:p>
@@ -2185,7 +2185,7 @@
           <a:p>
             <a:fld id="{5AD771E9-C79D-684D-A158-5EB6E92DE947}" type="datetime1">
               <a:rPr lang="en-US" smtClean="0"/>
-              <a:t>4/30/21</a:t>
+              <a:t>6/16/21</a:t>
             </a:fld>
             <a:endParaRPr lang="en-US"/>
           </a:p>
@@ -2329,7 +2329,7 @@
           <a:p>
             <a:fld id="{693CA161-7E4C-5C4B-B799-DB602A0B9806}" type="datetime1">
               <a:rPr lang="en-US" smtClean="0"/>
-              <a:t>4/30/21</a:t>
+              <a:t>6/16/21</a:t>
             </a:fld>
             <a:endParaRPr lang="en-US"/>
           </a:p>
@@ -2445,7 +2445,7 @@
           <a:p>
             <a:fld id="{6D55FDF3-8BB2-6349-A5FA-057F3D78953D}" type="datetime1">
               <a:rPr lang="en-US" smtClean="0"/>
-              <a:t>4/30/21</a:t>
+              <a:t>6/16/21</a:t>
             </a:fld>
             <a:endParaRPr lang="en-US"/>
           </a:p>
@@ -2759,7 +2759,7 @@
           <a:p>
             <a:fld id="{EEDFACC0-3228-BA4B-942E-CEF38B0101FD}" type="datetime1">
               <a:rPr lang="en-US" smtClean="0"/>
-              <a:t>4/30/21</a:t>
+              <a:t>6/16/21</a:t>
             </a:fld>
             <a:endParaRPr lang="en-US"/>
           </a:p>
@@ -3050,7 +3050,7 @@
           <a:p>
             <a:fld id="{07EEEDBE-E24C-D140-B419-6D8D592D0F1C}" type="datetime1">
               <a:rPr lang="en-US" smtClean="0"/>
-              <a:t>4/30/21</a:t>
+              <a:t>6/16/21</a:t>
             </a:fld>
             <a:endParaRPr lang="en-US"/>
           </a:p>
@@ -3294,7 +3294,7 @@
           <a:p>
             <a:fld id="{E05781A2-A5EF-C54C-A3EF-F62483D37EDC}" type="datetime1">
               <a:rPr lang="en-US" smtClean="0"/>
-              <a:t>4/30/21</a:t>
+              <a:t>6/16/21</a:t>
             </a:fld>
             <a:endParaRPr lang="en-US"/>
           </a:p>
@@ -3729,8 +3729,8 @@
         </p:nvSpPr>
         <p:spPr>
           <a:xfrm>
-            <a:off x="0" y="1389527"/>
-            <a:ext cx="12191999" cy="4518745"/>
+            <a:off x="162689" y="1389527"/>
+            <a:ext cx="11830328" cy="4518745"/>
           </a:xfrm>
           <a:prstGeom prst="rect">
             <a:avLst/>
@@ -4087,7 +4087,7 @@
                   <a:schemeClr val="bg1"/>
                 </a:solidFill>
               </a:rPr>
-              <a:t>v1.0</a:t>
+              <a:t>v1</a:t>
             </a:r>
           </a:p>
         </p:txBody>
@@ -4152,7 +4152,7 @@
                   <a:schemeClr val="bg1"/>
                 </a:solidFill>
               </a:rPr>
-              <a:t>v2.0</a:t>
+              <a:t>v2</a:t>
             </a:r>
           </a:p>
         </p:txBody>
@@ -4801,7 +4801,7 @@
                   <a:schemeClr val="bg1"/>
                 </a:solidFill>
               </a:rPr>
-              <a:t>v1.0</a:t>
+              <a:t>v1</a:t>
             </a:r>
           </a:p>
         </p:txBody>
@@ -4866,7 +4866,7 @@
                   <a:schemeClr val="bg1"/>
                 </a:solidFill>
               </a:rPr>
-              <a:t>v2.0</a:t>
+              <a:t>v2</a:t>
             </a:r>
           </a:p>
         </p:txBody>
@@ -5212,7 +5212,7 @@
                   <a:schemeClr val="bg1"/>
                 </a:solidFill>
               </a:rPr>
-              <a:t>v1.0</a:t>
+              <a:t>v1</a:t>
             </a:r>
           </a:p>
         </p:txBody>
@@ -5277,7 +5277,7 @@
                   <a:schemeClr val="bg1"/>
                 </a:solidFill>
               </a:rPr>
-              <a:t>v2.0</a:t>
+              <a:t>v2</a:t>
             </a:r>
           </a:p>
         </p:txBody>
@@ -5475,8 +5475,8 @@
         </p:nvSpPr>
         <p:spPr>
           <a:xfrm>
-            <a:off x="3273125" y="4895800"/>
-            <a:ext cx="1135439" cy="369332"/>
+            <a:off x="3535882" y="4895800"/>
+            <a:ext cx="622286" cy="369332"/>
           </a:xfrm>
           <a:prstGeom prst="rect">
             <a:avLst/>
@@ -5491,7 +5491,7 @@
           <a:p>
             <a:r>
               <a:rPr lang="en-US" dirty="0"/>
-              <a:t>Candidate</a:t>
+              <a:t>Dark</a:t>
             </a:r>
           </a:p>
         </p:txBody>
@@ -5510,8 +5510,8 @@
         </p:nvSpPr>
         <p:spPr>
           <a:xfrm>
-            <a:off x="5792043" y="4892977"/>
-            <a:ext cx="1135439" cy="369332"/>
+            <a:off x="6054800" y="4892977"/>
+            <a:ext cx="622286" cy="369332"/>
           </a:xfrm>
           <a:prstGeom prst="rect">
             <a:avLst/>
@@ -5526,7 +5526,7 @@
           <a:p>
             <a:r>
               <a:rPr lang="en-US" dirty="0"/>
-              <a:t>Candidate</a:t>
+              <a:t>Dark</a:t>
             </a:r>
           </a:p>
         </p:txBody>
@@ -5545,8 +5545,8 @@
         </p:nvSpPr>
         <p:spPr>
           <a:xfrm>
-            <a:off x="8176680" y="4892977"/>
-            <a:ext cx="1135439" cy="369332"/>
+            <a:off x="8439437" y="4892977"/>
+            <a:ext cx="622286" cy="369332"/>
           </a:xfrm>
           <a:prstGeom prst="rect">
             <a:avLst/>
@@ -5561,7 +5561,7 @@
           <a:p>
             <a:r>
               <a:rPr lang="en-US" dirty="0"/>
-              <a:t>Candidate</a:t>
+              <a:t>Dark</a:t>
             </a:r>
           </a:p>
         </p:txBody>
@@ -5580,8 +5580,8 @@
         </p:nvSpPr>
         <p:spPr>
           <a:xfrm>
-            <a:off x="3356577" y="1466858"/>
-            <a:ext cx="968535" cy="369332"/>
+            <a:off x="3608824" y="1466858"/>
+            <a:ext cx="552715" cy="369332"/>
           </a:xfrm>
           <a:prstGeom prst="rect">
             <a:avLst/>
@@ -5596,7 +5596,7 @@
           <a:p>
             <a:r>
               <a:rPr lang="en-US" dirty="0"/>
-              <a:t>Baseline</a:t>
+              <a:t>Live</a:t>
             </a:r>
           </a:p>
         </p:txBody>
@@ -5615,8 +5615,8 @@
         </p:nvSpPr>
         <p:spPr>
           <a:xfrm>
-            <a:off x="5875495" y="1466858"/>
-            <a:ext cx="968535" cy="369332"/>
+            <a:off x="6127742" y="1466858"/>
+            <a:ext cx="552715" cy="369332"/>
           </a:xfrm>
           <a:prstGeom prst="rect">
             <a:avLst/>
@@ -5631,7 +5631,7 @@
           <a:p>
             <a:r>
               <a:rPr lang="en-US" dirty="0"/>
-              <a:t>Baseline</a:t>
+              <a:t>Live</a:t>
             </a:r>
           </a:p>
         </p:txBody>
@@ -5650,8 +5650,8 @@
         </p:nvSpPr>
         <p:spPr>
           <a:xfrm>
-            <a:off x="8260132" y="1466858"/>
-            <a:ext cx="968535" cy="369332"/>
+            <a:off x="8512379" y="1466858"/>
+            <a:ext cx="552715" cy="369332"/>
           </a:xfrm>
           <a:prstGeom prst="rect">
             <a:avLst/>
@@ -5666,7 +5666,7 @@
           <a:p>
             <a:r>
               <a:rPr lang="en-US" dirty="0"/>
-              <a:t>Baseline</a:t>
+              <a:t>Live</a:t>
             </a:r>
           </a:p>
         </p:txBody>
@@ -6592,7 +6592,7 @@
                   <a:schemeClr val="bg1"/>
                 </a:solidFill>
               </a:rPr>
-              <a:t>v2.0</a:t>
+              <a:t>v2</a:t>
             </a:r>
           </a:p>
         </p:txBody>
